--- a/assets/img/dl/concept/focal_loss/focal_loss.pptx
+++ b/assets/img/dl/concept/focal_loss/focal_loss.pptx
@@ -8,6 +8,7 @@
     <p:sldId id="256" r:id="rId2"/>
     <p:sldId id="257" r:id="rId3"/>
     <p:sldId id="258" r:id="rId4"/>
+    <p:sldId id="259" r:id="rId5"/>
   </p:sldIdLst>
   <p:sldSz cx="9906000" cy="6858000" type="A4"/>
   <p:notesSz cx="6858000" cy="9144000"/>
@@ -1046,7 +1047,7 @@
               <a:pPr latinLnBrk="1">
                 <a:defRPr/>
               </a:pPr>
-              <a:t>2021-09-26</a:t>
+              <a:t>2021-10-09</a:t>
             </a:fld>
             <a:endParaRPr lang="ko-KR" altLang="en-US" dirty="0">
               <a:solidFill>
@@ -1988,7 +1989,7 @@
         </p:nvSpPr>
         <p:spPr>
           <a:xfrm>
-            <a:off x="2729385" y="1239520"/>
+            <a:off x="3083948" y="1556760"/>
             <a:ext cx="2554514" cy="2554514"/>
           </a:xfrm>
           <a:prstGeom prst="cube">
@@ -2038,13 +2039,13 @@
           <p:nvPr>
             <p:extLst>
               <p:ext uri="{D42A27DB-BD31-4B8C-83A1-F6EECF244321}">
-                <p14:modId xmlns:p14="http://schemas.microsoft.com/office/powerpoint/2010/main" val="1017968405"/>
+                <p14:modId xmlns:p14="http://schemas.microsoft.com/office/powerpoint/2010/main" val="232644935"/>
               </p:ext>
             </p:extLst>
           </p:nvPr>
         </p:nvGraphicFramePr>
         <p:xfrm>
-          <a:off x="2736642" y="1888835"/>
+          <a:off x="3091205" y="2206075"/>
           <a:ext cx="1901370" cy="1905198"/>
         </p:xfrm>
         <a:graphic>
@@ -2214,7 +2215,7 @@
         </p:nvCxnSpPr>
         <p:spPr>
           <a:xfrm flipV="1">
-            <a:off x="4638012" y="1888835"/>
+            <a:off x="4992575" y="2206075"/>
             <a:ext cx="635925" cy="635925"/>
           </a:xfrm>
           <a:prstGeom prst="line">
@@ -2250,7 +2251,7 @@
         </p:nvCxnSpPr>
         <p:spPr>
           <a:xfrm flipV="1">
-            <a:off x="4638012" y="2538150"/>
+            <a:off x="4992575" y="2855390"/>
             <a:ext cx="635925" cy="635925"/>
           </a:xfrm>
           <a:prstGeom prst="line">
@@ -2288,7 +2289,7 @@
         </p:nvCxnSpPr>
         <p:spPr>
           <a:xfrm flipV="1">
-            <a:off x="3364208" y="1239519"/>
+            <a:off x="3718771" y="1556759"/>
             <a:ext cx="642434" cy="649316"/>
           </a:xfrm>
           <a:prstGeom prst="line">
@@ -2326,7 +2327,7 @@
         </p:nvCxnSpPr>
         <p:spPr>
           <a:xfrm flipV="1">
-            <a:off x="3999031" y="1239519"/>
+            <a:off x="4353594" y="1556759"/>
             <a:ext cx="642434" cy="649316"/>
           </a:xfrm>
           <a:prstGeom prst="line">
@@ -2362,7 +2363,7 @@
         </p:nvSpPr>
         <p:spPr>
           <a:xfrm>
-            <a:off x="409198" y="2046208"/>
+            <a:off x="763761" y="2363448"/>
             <a:ext cx="1277258" cy="1272517"/>
           </a:xfrm>
           <a:prstGeom prst="cube">
@@ -2408,7 +2409,7 @@
         </p:nvSpPr>
         <p:spPr>
           <a:xfrm>
-            <a:off x="1630356" y="1545226"/>
+            <a:off x="1984919" y="1862466"/>
             <a:ext cx="1141659" cy="461665"/>
           </a:xfrm>
           <a:prstGeom prst="rect">
@@ -2450,7 +2451,7 @@
         </p:nvSpPr>
         <p:spPr>
           <a:xfrm>
-            <a:off x="6582887" y="1239519"/>
+            <a:off x="6937450" y="1556759"/>
             <a:ext cx="2554514" cy="2554514"/>
           </a:xfrm>
           <a:prstGeom prst="cube">
@@ -2499,7 +2500,7 @@
         </p:nvCxnSpPr>
         <p:spPr>
           <a:xfrm flipV="1">
-            <a:off x="8491514" y="1888834"/>
+            <a:off x="8846077" y="2206074"/>
             <a:ext cx="635925" cy="635925"/>
           </a:xfrm>
           <a:prstGeom prst="line">
@@ -2535,7 +2536,7 @@
         </p:nvCxnSpPr>
         <p:spPr>
           <a:xfrm flipV="1">
-            <a:off x="8491514" y="2538149"/>
+            <a:off x="8846077" y="2855389"/>
             <a:ext cx="635925" cy="635925"/>
           </a:xfrm>
           <a:prstGeom prst="line">
@@ -2573,7 +2574,7 @@
         </p:nvCxnSpPr>
         <p:spPr>
           <a:xfrm flipV="1">
-            <a:off x="7217710" y="1239518"/>
+            <a:off x="7572273" y="1556758"/>
             <a:ext cx="642434" cy="649316"/>
           </a:xfrm>
           <a:prstGeom prst="line">
@@ -2611,7 +2612,7 @@
         </p:nvCxnSpPr>
         <p:spPr>
           <a:xfrm flipV="1">
-            <a:off x="7852533" y="1239518"/>
+            <a:off x="8207096" y="1556758"/>
             <a:ext cx="642434" cy="649316"/>
           </a:xfrm>
           <a:prstGeom prst="line">
@@ -2648,13 +2649,13 @@
           <p:nvPr>
             <p:extLst>
               <p:ext uri="{D42A27DB-BD31-4B8C-83A1-F6EECF244321}">
-                <p14:modId xmlns:p14="http://schemas.microsoft.com/office/powerpoint/2010/main" val="897111330"/>
+                <p14:modId xmlns:p14="http://schemas.microsoft.com/office/powerpoint/2010/main" val="1016795647"/>
               </p:ext>
             </p:extLst>
           </p:nvPr>
         </p:nvGraphicFramePr>
         <p:xfrm>
-          <a:off x="6590144" y="1888834"/>
+          <a:off x="6944707" y="2206074"/>
           <a:ext cx="1901370" cy="1905198"/>
         </p:xfrm>
         <a:graphic>
@@ -2824,7 +2825,7 @@
         </p:nvGrpSpPr>
         <p:grpSpPr>
           <a:xfrm>
-            <a:off x="6588350" y="1226129"/>
+            <a:off x="6942913" y="1543369"/>
             <a:ext cx="2537987" cy="1291798"/>
             <a:chOff x="6588350" y="1226129"/>
             <a:chExt cx="2537987" cy="1291798"/>
@@ -3004,7 +3005,7 @@
         </p:nvGrpSpPr>
         <p:grpSpPr>
           <a:xfrm>
-            <a:off x="6588350" y="1863031"/>
+            <a:off x="6942913" y="2180271"/>
             <a:ext cx="2537987" cy="1291798"/>
             <a:chOff x="6588350" y="1226129"/>
             <a:chExt cx="2537987" cy="1291798"/>
@@ -3184,7 +3185,7 @@
         </p:nvGrpSpPr>
         <p:grpSpPr>
           <a:xfrm>
-            <a:off x="6588350" y="2488429"/>
+            <a:off x="6942913" y="2805669"/>
             <a:ext cx="2537987" cy="1291798"/>
             <a:chOff x="6588350" y="1226129"/>
             <a:chExt cx="2537987" cy="1291798"/>
@@ -3366,7 +3367,7 @@
         </p:nvCxnSpPr>
         <p:spPr>
           <a:xfrm flipV="1">
-            <a:off x="1347630" y="2206796"/>
+            <a:off x="1702193" y="2524036"/>
             <a:ext cx="1637814" cy="469298"/>
           </a:xfrm>
           <a:prstGeom prst="straightConnector1">
@@ -3410,7 +3411,7 @@
         </p:nvCxnSpPr>
         <p:spPr>
           <a:xfrm flipV="1">
-            <a:off x="1317193" y="2206795"/>
+            <a:off x="1671756" y="2524035"/>
             <a:ext cx="2368232" cy="466039"/>
           </a:xfrm>
           <a:prstGeom prst="straightConnector1">
@@ -3454,7 +3455,7 @@
         </p:nvCxnSpPr>
         <p:spPr>
           <a:xfrm flipV="1">
-            <a:off x="1344177" y="2215654"/>
+            <a:off x="1698740" y="2532894"/>
             <a:ext cx="3000348" cy="457180"/>
           </a:xfrm>
           <a:prstGeom prst="straightConnector1">
@@ -3498,7 +3499,7 @@
         </p:nvCxnSpPr>
         <p:spPr>
           <a:xfrm>
-            <a:off x="1329611" y="2672834"/>
+            <a:off x="1684174" y="2990074"/>
             <a:ext cx="1752104" cy="281548"/>
           </a:xfrm>
           <a:prstGeom prst="straightConnector1">
@@ -3542,7 +3543,7 @@
         </p:nvCxnSpPr>
         <p:spPr>
           <a:xfrm>
-            <a:off x="1401081" y="2671204"/>
+            <a:off x="1755644" y="2988444"/>
             <a:ext cx="2345052" cy="220911"/>
           </a:xfrm>
           <a:prstGeom prst="straightConnector1">
@@ -3586,7 +3587,7 @@
         </p:nvCxnSpPr>
         <p:spPr>
           <a:xfrm>
-            <a:off x="1374130" y="2678693"/>
+            <a:off x="1728693" y="2995933"/>
             <a:ext cx="2992896" cy="102663"/>
           </a:xfrm>
           <a:prstGeom prst="straightConnector1">
@@ -3630,7 +3631,7 @@
         </p:nvCxnSpPr>
         <p:spPr>
           <a:xfrm>
-            <a:off x="1328509" y="2663191"/>
+            <a:off x="1683072" y="2980431"/>
             <a:ext cx="1745949" cy="868443"/>
           </a:xfrm>
           <a:prstGeom prst="straightConnector1">
@@ -3674,7 +3675,7 @@
         </p:nvCxnSpPr>
         <p:spPr>
           <a:xfrm>
-            <a:off x="1329611" y="2663192"/>
+            <a:off x="1684174" y="2980432"/>
             <a:ext cx="2416522" cy="860692"/>
           </a:xfrm>
           <a:prstGeom prst="straightConnector1">
@@ -3718,7 +3719,7 @@
         </p:nvCxnSpPr>
         <p:spPr>
           <a:xfrm>
-            <a:off x="1356111" y="2684106"/>
+            <a:off x="1710674" y="3001346"/>
             <a:ext cx="2988414" cy="802095"/>
           </a:xfrm>
           <a:prstGeom prst="straightConnector1">
@@ -3760,7 +3761,7 @@
         </p:nvSpPr>
         <p:spPr>
           <a:xfrm>
-            <a:off x="2017807" y="1986027"/>
+            <a:off x="2372370" y="2303267"/>
             <a:ext cx="324128" cy="369332"/>
           </a:xfrm>
           <a:prstGeom prst="rect">
@@ -3796,7 +3797,7 @@
         </p:nvSpPr>
         <p:spPr>
           <a:xfrm>
-            <a:off x="3037427" y="4037617"/>
+            <a:off x="3391990" y="4354857"/>
             <a:ext cx="2236510" cy="369332"/>
           </a:xfrm>
           <a:prstGeom prst="rect">
@@ -3832,8 +3833,8 @@
         </p:nvSpPr>
         <p:spPr>
           <a:xfrm>
-            <a:off x="-56639" y="4037617"/>
-            <a:ext cx="2236510" cy="369332"/>
+            <a:off x="1176206" y="4354857"/>
+            <a:ext cx="452368" cy="369332"/>
           </a:xfrm>
           <a:prstGeom prst="rect">
             <a:avLst/>
@@ -3848,7 +3849,7 @@
           <a:p>
             <a:r>
               <a:rPr lang="en-US" altLang="ko-KR"/>
-              <a:t>(C, H, W) = (5, 1, 1)</a:t>
+              <a:t>(5)</a:t>
             </a:r>
             <a:endParaRPr lang="ko-KR" altLang="en-US"/>
           </a:p>
@@ -3868,7 +3869,7 @@
         </p:nvSpPr>
         <p:spPr>
           <a:xfrm>
-            <a:off x="6741889" y="4037617"/>
+            <a:off x="7096452" y="4354857"/>
             <a:ext cx="2236510" cy="369332"/>
           </a:xfrm>
           <a:prstGeom prst="rect">
@@ -3904,7 +3905,7 @@
         </p:nvSpPr>
         <p:spPr>
           <a:xfrm>
-            <a:off x="5747367" y="2360692"/>
+            <a:off x="6101930" y="2677932"/>
             <a:ext cx="442750" cy="523220"/>
           </a:xfrm>
           <a:prstGeom prst="rect">
@@ -5215,6 +5216,509 @@
     <p:extLst>
       <p:ext uri="{BB962C8B-B14F-4D97-AF65-F5344CB8AC3E}">
         <p14:creationId xmlns:p14="http://schemas.microsoft.com/office/powerpoint/2010/main" val="2522549913"/>
+      </p:ext>
+    </p:extLst>
+  </p:cSld>
+  <p:clrMapOvr>
+    <a:masterClrMapping/>
+  </p:clrMapOvr>
+</p:sld>
+</file>
+
+<file path=ppt/slides/slide4.xml><?xml version="1.0" encoding="utf-8"?>
+<p:sld xmlns:a="http://schemas.openxmlformats.org/drawingml/2006/main" xmlns:r="http://schemas.openxmlformats.org/officeDocument/2006/relationships" xmlns:p="http://schemas.openxmlformats.org/presentationml/2006/main">
+  <p:cSld>
+    <p:spTree>
+      <p:nvGrpSpPr>
+        <p:cNvPr id="1" name=""/>
+        <p:cNvGrpSpPr/>
+        <p:nvPr/>
+      </p:nvGrpSpPr>
+      <p:grpSpPr>
+        <a:xfrm>
+          <a:off x="0" y="0"/>
+          <a:ext cx="0" cy="0"/>
+          <a:chOff x="0" y="0"/>
+          <a:chExt cx="0" cy="0"/>
+        </a:xfrm>
+      </p:grpSpPr>
+      <p:sp>
+        <p:nvSpPr>
+          <p:cNvPr id="2" name="제목 1">
+            <a:extLst>
+              <a:ext uri="{FF2B5EF4-FFF2-40B4-BE49-F238E27FC236}">
+                <a16:creationId xmlns:a16="http://schemas.microsoft.com/office/drawing/2014/main" id="{C6268F7D-7944-44C2-8D5B-8F29C0C47758}"/>
+              </a:ext>
+            </a:extLst>
+          </p:cNvPr>
+          <p:cNvSpPr>
+            <a:spLocks noGrp="1"/>
+          </p:cNvSpPr>
+          <p:nvPr>
+            <p:ph type="ctrTitle"/>
+          </p:nvPr>
+        </p:nvSpPr>
+        <p:spPr/>
+        <p:txBody>
+          <a:bodyPr/>
+          <a:lstStyle/>
+          <a:p>
+            <a:endParaRPr lang="ko-KR" altLang="en-US"/>
+          </a:p>
+        </p:txBody>
+      </p:sp>
+      <p:sp>
+        <p:nvSpPr>
+          <p:cNvPr id="3" name="부제목 2">
+            <a:extLst>
+              <a:ext uri="{FF2B5EF4-FFF2-40B4-BE49-F238E27FC236}">
+                <a16:creationId xmlns:a16="http://schemas.microsoft.com/office/drawing/2014/main" id="{DD18DFEB-5E61-4303-89E0-FB4D1EA93B25}"/>
+              </a:ext>
+            </a:extLst>
+          </p:cNvPr>
+          <p:cNvSpPr>
+            <a:spLocks noGrp="1"/>
+          </p:cNvSpPr>
+          <p:nvPr>
+            <p:ph type="subTitle" idx="1"/>
+          </p:nvPr>
+        </p:nvSpPr>
+        <p:spPr/>
+        <p:txBody>
+          <a:bodyPr/>
+          <a:lstStyle/>
+          <a:p>
+            <a:endParaRPr lang="ko-KR" altLang="en-US"/>
+          </a:p>
+        </p:txBody>
+      </p:sp>
+      <p:sp>
+        <p:nvSpPr>
+          <p:cNvPr id="4" name="슬라이드 번호 개체 틀 3">
+            <a:extLst>
+              <a:ext uri="{FF2B5EF4-FFF2-40B4-BE49-F238E27FC236}">
+                <a16:creationId xmlns:a16="http://schemas.microsoft.com/office/drawing/2014/main" id="{FF175CC0-D25F-4E39-A3EC-87CA0F05E41F}"/>
+              </a:ext>
+            </a:extLst>
+          </p:cNvPr>
+          <p:cNvSpPr>
+            <a:spLocks noGrp="1"/>
+          </p:cNvSpPr>
+          <p:nvPr>
+            <p:ph type="sldNum" sz="quarter" idx="10"/>
+          </p:nvPr>
+        </p:nvSpPr>
+        <p:spPr/>
+        <p:txBody>
+          <a:bodyPr/>
+          <a:lstStyle/>
+          <a:p>
+            <a:pPr>
+              <a:defRPr/>
+            </a:pPr>
+            <a:fld id="{13527AB9-6298-44FA-9E1C-7B66247BD5AA}" type="slidenum">
+              <a:rPr lang="ko-KR" altLang="en-US" smtClean="0">
+                <a:solidFill>
+                  <a:prstClr val="black"/>
+                </a:solidFill>
+              </a:rPr>
+              <a:pPr>
+                <a:defRPr/>
+              </a:pPr>
+              <a:t>4</a:t>
+            </a:fld>
+            <a:endParaRPr lang="ko-KR" altLang="en-US" dirty="0">
+              <a:solidFill>
+                <a:prstClr val="black"/>
+              </a:solidFill>
+            </a:endParaRPr>
+          </a:p>
+        </p:txBody>
+      </p:sp>
+      <p:sp>
+        <p:nvSpPr>
+          <p:cNvPr id="5" name="정육면체 4">
+            <a:extLst>
+              <a:ext uri="{FF2B5EF4-FFF2-40B4-BE49-F238E27FC236}">
+                <a16:creationId xmlns:a16="http://schemas.microsoft.com/office/drawing/2014/main" id="{F112D49C-7DA4-4BCB-8095-A700D562905A}"/>
+              </a:ext>
+            </a:extLst>
+          </p:cNvPr>
+          <p:cNvSpPr/>
+          <p:nvPr/>
+        </p:nvSpPr>
+        <p:spPr>
+          <a:xfrm>
+            <a:off x="2163689" y="2718011"/>
+            <a:ext cx="1277258" cy="1272517"/>
+          </a:xfrm>
+          <a:prstGeom prst="cube">
+            <a:avLst>
+              <a:gd name="adj" fmla="val 50455"/>
+            </a:avLst>
+          </a:prstGeom>
+        </p:spPr>
+        <p:style>
+          <a:lnRef idx="1">
+            <a:schemeClr val="accent6"/>
+          </a:lnRef>
+          <a:fillRef idx="3">
+            <a:schemeClr val="accent6"/>
+          </a:fillRef>
+          <a:effectRef idx="2">
+            <a:schemeClr val="accent6"/>
+          </a:effectRef>
+          <a:fontRef idx="minor">
+            <a:schemeClr val="lt1"/>
+          </a:fontRef>
+        </p:style>
+        <p:txBody>
+          <a:bodyPr rtlCol="0" anchor="ctr"/>
+          <a:lstStyle/>
+          <a:p>
+            <a:pPr algn="ctr"/>
+            <a:endParaRPr lang="ko-KR" altLang="en-US"/>
+          </a:p>
+        </p:txBody>
+      </p:sp>
+      <p:cxnSp>
+        <p:nvCxnSpPr>
+          <p:cNvPr id="7" name="직선 연결선 6">
+            <a:extLst>
+              <a:ext uri="{FF2B5EF4-FFF2-40B4-BE49-F238E27FC236}">
+                <a16:creationId xmlns:a16="http://schemas.microsoft.com/office/drawing/2014/main" id="{594637E2-3ABB-4DC6-AF7E-C9233E530B1A}"/>
+              </a:ext>
+            </a:extLst>
+          </p:cNvPr>
+          <p:cNvCxnSpPr>
+            <a:cxnSpLocks/>
+          </p:cNvCxnSpPr>
+          <p:nvPr/>
+        </p:nvCxnSpPr>
+        <p:spPr>
+          <a:xfrm>
+            <a:off x="2292531" y="3218128"/>
+            <a:ext cx="656409" cy="0"/>
+          </a:xfrm>
+          <a:prstGeom prst="line">
+            <a:avLst/>
+          </a:prstGeom>
+        </p:spPr>
+        <p:style>
+          <a:lnRef idx="1">
+            <a:schemeClr val="dk1"/>
+          </a:lnRef>
+          <a:fillRef idx="0">
+            <a:schemeClr val="dk1"/>
+          </a:fillRef>
+          <a:effectRef idx="0">
+            <a:schemeClr val="dk1"/>
+          </a:effectRef>
+          <a:fontRef idx="minor">
+            <a:schemeClr val="tx1"/>
+          </a:fontRef>
+        </p:style>
+      </p:cxnSp>
+      <p:cxnSp>
+        <p:nvCxnSpPr>
+          <p:cNvPr id="8" name="직선 연결선 7">
+            <a:extLst>
+              <a:ext uri="{FF2B5EF4-FFF2-40B4-BE49-F238E27FC236}">
+                <a16:creationId xmlns:a16="http://schemas.microsoft.com/office/drawing/2014/main" id="{366A63A6-7A63-4D59-BCF2-D9975444E623}"/>
+              </a:ext>
+            </a:extLst>
+          </p:cNvPr>
+          <p:cNvCxnSpPr>
+            <a:cxnSpLocks/>
+          </p:cNvCxnSpPr>
+          <p:nvPr/>
+        </p:nvCxnSpPr>
+        <p:spPr>
+          <a:xfrm>
+            <a:off x="2428784" y="3092398"/>
+            <a:ext cx="647156" cy="0"/>
+          </a:xfrm>
+          <a:prstGeom prst="line">
+            <a:avLst/>
+          </a:prstGeom>
+        </p:spPr>
+        <p:style>
+          <a:lnRef idx="1">
+            <a:schemeClr val="dk1"/>
+          </a:lnRef>
+          <a:fillRef idx="0">
+            <a:schemeClr val="dk1"/>
+          </a:fillRef>
+          <a:effectRef idx="0">
+            <a:schemeClr val="dk1"/>
+          </a:effectRef>
+          <a:fontRef idx="minor">
+            <a:schemeClr val="tx1"/>
+          </a:fontRef>
+        </p:style>
+      </p:cxnSp>
+      <p:cxnSp>
+        <p:nvCxnSpPr>
+          <p:cNvPr id="9" name="직선 연결선 8">
+            <a:extLst>
+              <a:ext uri="{FF2B5EF4-FFF2-40B4-BE49-F238E27FC236}">
+                <a16:creationId xmlns:a16="http://schemas.microsoft.com/office/drawing/2014/main" id="{2A8AE991-23AE-4634-A5B7-867B3460997E}"/>
+              </a:ext>
+            </a:extLst>
+          </p:cNvPr>
+          <p:cNvCxnSpPr>
+            <a:cxnSpLocks/>
+          </p:cNvCxnSpPr>
+          <p:nvPr/>
+        </p:nvCxnSpPr>
+        <p:spPr>
+          <a:xfrm>
+            <a:off x="2554877" y="2960318"/>
+            <a:ext cx="650603" cy="0"/>
+          </a:xfrm>
+          <a:prstGeom prst="line">
+            <a:avLst/>
+          </a:prstGeom>
+        </p:spPr>
+        <p:style>
+          <a:lnRef idx="1">
+            <a:schemeClr val="dk1"/>
+          </a:lnRef>
+          <a:fillRef idx="0">
+            <a:schemeClr val="dk1"/>
+          </a:fillRef>
+          <a:effectRef idx="0">
+            <a:schemeClr val="dk1"/>
+          </a:effectRef>
+          <a:fontRef idx="minor">
+            <a:schemeClr val="tx1"/>
+          </a:fontRef>
+        </p:style>
+      </p:cxnSp>
+      <p:cxnSp>
+        <p:nvCxnSpPr>
+          <p:cNvPr id="10" name="직선 연결선 9">
+            <a:extLst>
+              <a:ext uri="{FF2B5EF4-FFF2-40B4-BE49-F238E27FC236}">
+                <a16:creationId xmlns:a16="http://schemas.microsoft.com/office/drawing/2014/main" id="{AC89D9EF-9543-41F8-B4AF-045CC030B17A}"/>
+              </a:ext>
+            </a:extLst>
+          </p:cNvPr>
+          <p:cNvCxnSpPr>
+            <a:cxnSpLocks/>
+          </p:cNvCxnSpPr>
+          <p:nvPr/>
+        </p:nvCxnSpPr>
+        <p:spPr>
+          <a:xfrm>
+            <a:off x="2694784" y="2826968"/>
+            <a:ext cx="637696" cy="0"/>
+          </a:xfrm>
+          <a:prstGeom prst="line">
+            <a:avLst/>
+          </a:prstGeom>
+        </p:spPr>
+        <p:style>
+          <a:lnRef idx="1">
+            <a:schemeClr val="dk1"/>
+          </a:lnRef>
+          <a:fillRef idx="0">
+            <a:schemeClr val="dk1"/>
+          </a:fillRef>
+          <a:effectRef idx="0">
+            <a:schemeClr val="dk1"/>
+          </a:effectRef>
+          <a:fontRef idx="minor">
+            <a:schemeClr val="tx1"/>
+          </a:fontRef>
+        </p:style>
+      </p:cxnSp>
+      <p:cxnSp>
+        <p:nvCxnSpPr>
+          <p:cNvPr id="15" name="직선 연결선 14">
+            <a:extLst>
+              <a:ext uri="{FF2B5EF4-FFF2-40B4-BE49-F238E27FC236}">
+                <a16:creationId xmlns:a16="http://schemas.microsoft.com/office/drawing/2014/main" id="{8738F791-3F32-424A-8506-064D29262FB0}"/>
+              </a:ext>
+            </a:extLst>
+          </p:cNvPr>
+          <p:cNvCxnSpPr>
+            <a:cxnSpLocks/>
+          </p:cNvCxnSpPr>
+          <p:nvPr/>
+        </p:nvCxnSpPr>
+        <p:spPr>
+          <a:xfrm flipV="1">
+            <a:off x="2948941" y="3218128"/>
+            <a:ext cx="0" cy="617272"/>
+          </a:xfrm>
+          <a:prstGeom prst="line">
+            <a:avLst/>
+          </a:prstGeom>
+        </p:spPr>
+        <p:style>
+          <a:lnRef idx="1">
+            <a:schemeClr val="dk1"/>
+          </a:lnRef>
+          <a:fillRef idx="0">
+            <a:schemeClr val="dk1"/>
+          </a:fillRef>
+          <a:effectRef idx="0">
+            <a:schemeClr val="dk1"/>
+          </a:effectRef>
+          <a:fontRef idx="minor">
+            <a:schemeClr val="tx1"/>
+          </a:fontRef>
+        </p:style>
+      </p:cxnSp>
+      <p:cxnSp>
+        <p:nvCxnSpPr>
+          <p:cNvPr id="16" name="직선 연결선 15">
+            <a:extLst>
+              <a:ext uri="{FF2B5EF4-FFF2-40B4-BE49-F238E27FC236}">
+                <a16:creationId xmlns:a16="http://schemas.microsoft.com/office/drawing/2014/main" id="{9D7AD723-42C2-4214-88C4-22558344619E}"/>
+              </a:ext>
+            </a:extLst>
+          </p:cNvPr>
+          <p:cNvCxnSpPr>
+            <a:cxnSpLocks/>
+          </p:cNvCxnSpPr>
+          <p:nvPr/>
+        </p:nvCxnSpPr>
+        <p:spPr>
+          <a:xfrm flipV="1">
+            <a:off x="3075486" y="3086320"/>
+            <a:ext cx="0" cy="627160"/>
+          </a:xfrm>
+          <a:prstGeom prst="line">
+            <a:avLst/>
+          </a:prstGeom>
+        </p:spPr>
+        <p:style>
+          <a:lnRef idx="1">
+            <a:schemeClr val="dk1"/>
+          </a:lnRef>
+          <a:fillRef idx="0">
+            <a:schemeClr val="dk1"/>
+          </a:fillRef>
+          <a:effectRef idx="0">
+            <a:schemeClr val="dk1"/>
+          </a:effectRef>
+          <a:fontRef idx="minor">
+            <a:schemeClr val="tx1"/>
+          </a:fontRef>
+        </p:style>
+      </p:cxnSp>
+      <p:cxnSp>
+        <p:nvCxnSpPr>
+          <p:cNvPr id="17" name="직선 연결선 16">
+            <a:extLst>
+              <a:ext uri="{FF2B5EF4-FFF2-40B4-BE49-F238E27FC236}">
+                <a16:creationId xmlns:a16="http://schemas.microsoft.com/office/drawing/2014/main" id="{14EF96DD-7740-431B-9DC8-F8AF58F113F0}"/>
+              </a:ext>
+            </a:extLst>
+          </p:cNvPr>
+          <p:cNvCxnSpPr>
+            <a:cxnSpLocks/>
+          </p:cNvCxnSpPr>
+          <p:nvPr/>
+        </p:nvCxnSpPr>
+        <p:spPr>
+          <a:xfrm flipV="1">
+            <a:off x="3203303" y="2952517"/>
+            <a:ext cx="0" cy="626343"/>
+          </a:xfrm>
+          <a:prstGeom prst="line">
+            <a:avLst/>
+          </a:prstGeom>
+        </p:spPr>
+        <p:style>
+          <a:lnRef idx="1">
+            <a:schemeClr val="dk1"/>
+          </a:lnRef>
+          <a:fillRef idx="0">
+            <a:schemeClr val="dk1"/>
+          </a:fillRef>
+          <a:effectRef idx="0">
+            <a:schemeClr val="dk1"/>
+          </a:effectRef>
+          <a:fontRef idx="minor">
+            <a:schemeClr val="tx1"/>
+          </a:fontRef>
+        </p:style>
+      </p:cxnSp>
+      <p:cxnSp>
+        <p:nvCxnSpPr>
+          <p:cNvPr id="18" name="직선 연결선 17">
+            <a:extLst>
+              <a:ext uri="{FF2B5EF4-FFF2-40B4-BE49-F238E27FC236}">
+                <a16:creationId xmlns:a16="http://schemas.microsoft.com/office/drawing/2014/main" id="{1A2D1339-1136-4E76-8247-9B41AD304FBC}"/>
+              </a:ext>
+            </a:extLst>
+          </p:cNvPr>
+          <p:cNvCxnSpPr>
+            <a:cxnSpLocks/>
+          </p:cNvCxnSpPr>
+          <p:nvPr/>
+        </p:nvCxnSpPr>
+        <p:spPr>
+          <a:xfrm flipV="1">
+            <a:off x="3336756" y="2825620"/>
+            <a:ext cx="0" cy="621160"/>
+          </a:xfrm>
+          <a:prstGeom prst="line">
+            <a:avLst/>
+          </a:prstGeom>
+        </p:spPr>
+        <p:style>
+          <a:lnRef idx="1">
+            <a:schemeClr val="dk1"/>
+          </a:lnRef>
+          <a:fillRef idx="0">
+            <a:schemeClr val="dk1"/>
+          </a:fillRef>
+          <a:effectRef idx="0">
+            <a:schemeClr val="dk1"/>
+          </a:effectRef>
+          <a:fontRef idx="minor">
+            <a:schemeClr val="tx1"/>
+          </a:fontRef>
+        </p:style>
+      </p:cxnSp>
+      <p:pic>
+        <p:nvPicPr>
+          <p:cNvPr id="31" name="그림 30">
+            <a:extLst>
+              <a:ext uri="{FF2B5EF4-FFF2-40B4-BE49-F238E27FC236}">
+                <a16:creationId xmlns:a16="http://schemas.microsoft.com/office/drawing/2014/main" id="{195743E9-F80F-4F27-86E8-9B0C11B16799}"/>
+              </a:ext>
+            </a:extLst>
+          </p:cNvPr>
+          <p:cNvPicPr>
+            <a:picLocks noChangeAspect="1"/>
+          </p:cNvPicPr>
+          <p:nvPr/>
+        </p:nvPicPr>
+        <p:blipFill>
+          <a:blip r:embed="rId2"/>
+          <a:stretch>
+            <a:fillRect/>
+          </a:stretch>
+        </p:blipFill>
+        <p:spPr>
+          <a:xfrm>
+            <a:off x="3747919" y="3228947"/>
+            <a:ext cx="2410161" cy="400106"/>
+          </a:xfrm>
+          <a:prstGeom prst="rect">
+            <a:avLst/>
+          </a:prstGeom>
+        </p:spPr>
+      </p:pic>
+    </p:spTree>
+    <p:extLst>
+      <p:ext uri="{BB962C8B-B14F-4D97-AF65-F5344CB8AC3E}">
+        <p14:creationId xmlns:p14="http://schemas.microsoft.com/office/powerpoint/2010/main" val="277932417"/>
       </p:ext>
     </p:extLst>
   </p:cSld>

--- a/assets/img/dl/concept/focal_loss/focal_loss.pptx
+++ b/assets/img/dl/concept/focal_loss/focal_loss.pptx
@@ -1047,7 +1047,7 @@
               <a:pPr latinLnBrk="1">
                 <a:defRPr/>
               </a:pPr>
-              <a:t>2021-10-09</a:t>
+              <a:t>2021-10-30</a:t>
             </a:fld>
             <a:endParaRPr lang="ko-KR" altLang="en-US" dirty="0">
               <a:solidFill>
@@ -1989,7 +1989,7 @@
         </p:nvSpPr>
         <p:spPr>
           <a:xfrm>
-            <a:off x="3083948" y="1556760"/>
+            <a:off x="3039124" y="1476078"/>
             <a:ext cx="2554514" cy="2554514"/>
           </a:xfrm>
           <a:prstGeom prst="cube">
@@ -2039,13 +2039,13 @@
           <p:nvPr>
             <p:extLst>
               <p:ext uri="{D42A27DB-BD31-4B8C-83A1-F6EECF244321}">
-                <p14:modId xmlns:p14="http://schemas.microsoft.com/office/powerpoint/2010/main" val="232644935"/>
+                <p14:modId xmlns:p14="http://schemas.microsoft.com/office/powerpoint/2010/main" val="3460364402"/>
               </p:ext>
             </p:extLst>
           </p:nvPr>
         </p:nvGraphicFramePr>
         <p:xfrm>
-          <a:off x="3091205" y="2206075"/>
+          <a:off x="3046381" y="2125393"/>
           <a:ext cx="1901370" cy="1905198"/>
         </p:xfrm>
         <a:graphic>
@@ -2215,7 +2215,7 @@
         </p:nvCxnSpPr>
         <p:spPr>
           <a:xfrm flipV="1">
-            <a:off x="4992575" y="2206075"/>
+            <a:off x="4947751" y="2125393"/>
             <a:ext cx="635925" cy="635925"/>
           </a:xfrm>
           <a:prstGeom prst="line">
@@ -2251,7 +2251,7 @@
         </p:nvCxnSpPr>
         <p:spPr>
           <a:xfrm flipV="1">
-            <a:off x="4992575" y="2855390"/>
+            <a:off x="4947751" y="2774708"/>
             <a:ext cx="635925" cy="635925"/>
           </a:xfrm>
           <a:prstGeom prst="line">
@@ -2289,7 +2289,7 @@
         </p:nvCxnSpPr>
         <p:spPr>
           <a:xfrm flipV="1">
-            <a:off x="3718771" y="1556759"/>
+            <a:off x="3673947" y="1476077"/>
             <a:ext cx="642434" cy="649316"/>
           </a:xfrm>
           <a:prstGeom prst="line">
@@ -2327,7 +2327,7 @@
         </p:nvCxnSpPr>
         <p:spPr>
           <a:xfrm flipV="1">
-            <a:off x="4353594" y="1556759"/>
+            <a:off x="4308770" y="1476077"/>
             <a:ext cx="642434" cy="649316"/>
           </a:xfrm>
           <a:prstGeom prst="line">
@@ -2363,7 +2363,7 @@
         </p:nvSpPr>
         <p:spPr>
           <a:xfrm>
-            <a:off x="763761" y="2363448"/>
+            <a:off x="718937" y="2282766"/>
             <a:ext cx="1277258" cy="1272517"/>
           </a:xfrm>
           <a:prstGeom prst="cube">
@@ -2409,7 +2409,7 @@
         </p:nvSpPr>
         <p:spPr>
           <a:xfrm>
-            <a:off x="1984919" y="1862466"/>
+            <a:off x="1940095" y="1781784"/>
             <a:ext cx="1141659" cy="461665"/>
           </a:xfrm>
           <a:prstGeom prst="rect">
@@ -2451,7 +2451,7 @@
         </p:nvSpPr>
         <p:spPr>
           <a:xfrm>
-            <a:off x="6937450" y="1556759"/>
+            <a:off x="6892626" y="1476077"/>
             <a:ext cx="2554514" cy="2554514"/>
           </a:xfrm>
           <a:prstGeom prst="cube">
@@ -2500,7 +2500,7 @@
         </p:nvCxnSpPr>
         <p:spPr>
           <a:xfrm flipV="1">
-            <a:off x="8846077" y="2206074"/>
+            <a:off x="8801253" y="2125392"/>
             <a:ext cx="635925" cy="635925"/>
           </a:xfrm>
           <a:prstGeom prst="line">
@@ -2536,7 +2536,7 @@
         </p:nvCxnSpPr>
         <p:spPr>
           <a:xfrm flipV="1">
-            <a:off x="8846077" y="2855389"/>
+            <a:off x="8801253" y="2774707"/>
             <a:ext cx="635925" cy="635925"/>
           </a:xfrm>
           <a:prstGeom prst="line">
@@ -2574,7 +2574,7 @@
         </p:nvCxnSpPr>
         <p:spPr>
           <a:xfrm flipV="1">
-            <a:off x="7572273" y="1556758"/>
+            <a:off x="7527449" y="1476076"/>
             <a:ext cx="642434" cy="649316"/>
           </a:xfrm>
           <a:prstGeom prst="line">
@@ -2612,7 +2612,7 @@
         </p:nvCxnSpPr>
         <p:spPr>
           <a:xfrm flipV="1">
-            <a:off x="8207096" y="1556758"/>
+            <a:off x="8162272" y="1476076"/>
             <a:ext cx="642434" cy="649316"/>
           </a:xfrm>
           <a:prstGeom prst="line">
@@ -2649,13 +2649,13 @@
           <p:nvPr>
             <p:extLst>
               <p:ext uri="{D42A27DB-BD31-4B8C-83A1-F6EECF244321}">
-                <p14:modId xmlns:p14="http://schemas.microsoft.com/office/powerpoint/2010/main" val="1016795647"/>
+                <p14:modId xmlns:p14="http://schemas.microsoft.com/office/powerpoint/2010/main" val="2600247452"/>
               </p:ext>
             </p:extLst>
           </p:nvPr>
         </p:nvGraphicFramePr>
         <p:xfrm>
-          <a:off x="6944707" y="2206074"/>
+          <a:off x="6899883" y="2125392"/>
           <a:ext cx="1901370" cy="1905198"/>
         </p:xfrm>
         <a:graphic>
@@ -2825,7 +2825,7 @@
         </p:nvGrpSpPr>
         <p:grpSpPr>
           <a:xfrm>
-            <a:off x="6942913" y="1543369"/>
+            <a:off x="6898089" y="1462687"/>
             <a:ext cx="2537987" cy="1291798"/>
             <a:chOff x="6588350" y="1226129"/>
             <a:chExt cx="2537987" cy="1291798"/>
@@ -3005,7 +3005,7 @@
         </p:nvGrpSpPr>
         <p:grpSpPr>
           <a:xfrm>
-            <a:off x="6942913" y="2180271"/>
+            <a:off x="6898089" y="2099589"/>
             <a:ext cx="2537987" cy="1291798"/>
             <a:chOff x="6588350" y="1226129"/>
             <a:chExt cx="2537987" cy="1291798"/>
@@ -3185,7 +3185,7 @@
         </p:nvGrpSpPr>
         <p:grpSpPr>
           <a:xfrm>
-            <a:off x="6942913" y="2805669"/>
+            <a:off x="6898089" y="2724987"/>
             <a:ext cx="2537987" cy="1291798"/>
             <a:chOff x="6588350" y="1226129"/>
             <a:chExt cx="2537987" cy="1291798"/>
@@ -3367,7 +3367,7 @@
         </p:nvCxnSpPr>
         <p:spPr>
           <a:xfrm flipV="1">
-            <a:off x="1702193" y="2524036"/>
+            <a:off x="1657369" y="2443354"/>
             <a:ext cx="1637814" cy="469298"/>
           </a:xfrm>
           <a:prstGeom prst="straightConnector1">
@@ -3411,7 +3411,7 @@
         </p:nvCxnSpPr>
         <p:spPr>
           <a:xfrm flipV="1">
-            <a:off x="1671756" y="2524035"/>
+            <a:off x="1626932" y="2443353"/>
             <a:ext cx="2368232" cy="466039"/>
           </a:xfrm>
           <a:prstGeom prst="straightConnector1">
@@ -3455,7 +3455,7 @@
         </p:nvCxnSpPr>
         <p:spPr>
           <a:xfrm flipV="1">
-            <a:off x="1698740" y="2532894"/>
+            <a:off x="1653916" y="2452212"/>
             <a:ext cx="3000348" cy="457180"/>
           </a:xfrm>
           <a:prstGeom prst="straightConnector1">
@@ -3499,7 +3499,7 @@
         </p:nvCxnSpPr>
         <p:spPr>
           <a:xfrm>
-            <a:off x="1684174" y="2990074"/>
+            <a:off x="1639350" y="2909392"/>
             <a:ext cx="1752104" cy="281548"/>
           </a:xfrm>
           <a:prstGeom prst="straightConnector1">
@@ -3543,7 +3543,7 @@
         </p:nvCxnSpPr>
         <p:spPr>
           <a:xfrm>
-            <a:off x="1755644" y="2988444"/>
+            <a:off x="1710820" y="2907762"/>
             <a:ext cx="2345052" cy="220911"/>
           </a:xfrm>
           <a:prstGeom prst="straightConnector1">
@@ -3587,7 +3587,7 @@
         </p:nvCxnSpPr>
         <p:spPr>
           <a:xfrm>
-            <a:off x="1728693" y="2995933"/>
+            <a:off x="1683869" y="2915251"/>
             <a:ext cx="2992896" cy="102663"/>
           </a:xfrm>
           <a:prstGeom prst="straightConnector1">
@@ -3631,7 +3631,7 @@
         </p:nvCxnSpPr>
         <p:spPr>
           <a:xfrm>
-            <a:off x="1683072" y="2980431"/>
+            <a:off x="1638248" y="2899749"/>
             <a:ext cx="1745949" cy="868443"/>
           </a:xfrm>
           <a:prstGeom prst="straightConnector1">
@@ -3675,7 +3675,7 @@
         </p:nvCxnSpPr>
         <p:spPr>
           <a:xfrm>
-            <a:off x="1684174" y="2980432"/>
+            <a:off x="1639350" y="2899750"/>
             <a:ext cx="2416522" cy="860692"/>
           </a:xfrm>
           <a:prstGeom prst="straightConnector1">
@@ -3719,7 +3719,7 @@
         </p:nvCxnSpPr>
         <p:spPr>
           <a:xfrm>
-            <a:off x="1710674" y="3001346"/>
+            <a:off x="1665850" y="2920664"/>
             <a:ext cx="2988414" cy="802095"/>
           </a:xfrm>
           <a:prstGeom prst="straightConnector1">
@@ -3761,7 +3761,7 @@
         </p:nvSpPr>
         <p:spPr>
           <a:xfrm>
-            <a:off x="2372370" y="2303267"/>
+            <a:off x="2327546" y="2222585"/>
             <a:ext cx="324128" cy="369332"/>
           </a:xfrm>
           <a:prstGeom prst="rect">
@@ -3797,7 +3797,7 @@
         </p:nvSpPr>
         <p:spPr>
           <a:xfrm>
-            <a:off x="3391990" y="4354857"/>
+            <a:off x="3347166" y="4274175"/>
             <a:ext cx="2236510" cy="369332"/>
           </a:xfrm>
           <a:prstGeom prst="rect">
@@ -3833,7 +3833,7 @@
         </p:nvSpPr>
         <p:spPr>
           <a:xfrm>
-            <a:off x="1176206" y="4354857"/>
+            <a:off x="1131382" y="4274175"/>
             <a:ext cx="452368" cy="369332"/>
           </a:xfrm>
           <a:prstGeom prst="rect">
@@ -3869,7 +3869,7 @@
         </p:nvSpPr>
         <p:spPr>
           <a:xfrm>
-            <a:off x="7096452" y="4354857"/>
+            <a:off x="7051628" y="4274175"/>
             <a:ext cx="2236510" cy="369332"/>
           </a:xfrm>
           <a:prstGeom prst="rect">
@@ -3905,7 +3905,7 @@
         </p:nvSpPr>
         <p:spPr>
           <a:xfrm>
-            <a:off x="6101930" y="2677932"/>
+            <a:off x="6057106" y="2597250"/>
             <a:ext cx="442750" cy="523220"/>
           </a:xfrm>
           <a:prstGeom prst="rect">
@@ -3979,7 +3979,7 @@
         </p:blipFill>
         <p:spPr>
           <a:xfrm>
-            <a:off x="5305934" y="1840342"/>
+            <a:off x="7775543" y="1671608"/>
             <a:ext cx="1971950" cy="3334215"/>
           </a:xfrm>
           <a:prstGeom prst="rect">
@@ -4028,7 +4028,12 @@
             <p:ph type="subTitle" idx="1"/>
           </p:nvPr>
         </p:nvSpPr>
-        <p:spPr/>
+        <p:spPr>
+          <a:xfrm>
+            <a:off x="1054195" y="1671608"/>
+            <a:ext cx="3146274" cy="360040"/>
+          </a:xfrm>
+        </p:spPr>
         <p:txBody>
           <a:bodyPr/>
           <a:lstStyle/>
@@ -4053,7 +4058,12 @@
             <p:ph type="sldNum" sz="quarter" idx="10"/>
           </p:nvPr>
         </p:nvSpPr>
-        <p:spPr/>
+        <p:spPr>
+          <a:xfrm>
+            <a:off x="7954613" y="259581"/>
+            <a:ext cx="495300" cy="363537"/>
+          </a:xfrm>
+        </p:spPr>
         <p:txBody>
           <a:bodyPr/>
           <a:lstStyle/>
@@ -4094,7 +4104,7 @@
         </p:nvSpPr>
         <p:spPr>
           <a:xfrm>
-            <a:off x="2243150" y="2340930"/>
+            <a:off x="4712759" y="2172196"/>
             <a:ext cx="2554514" cy="2554514"/>
           </a:xfrm>
           <a:prstGeom prst="cube">
@@ -4143,7 +4153,7 @@
         </p:nvCxnSpPr>
         <p:spPr>
           <a:xfrm flipV="1">
-            <a:off x="4151777" y="2990245"/>
+            <a:off x="6621386" y="2821511"/>
             <a:ext cx="635925" cy="635925"/>
           </a:xfrm>
           <a:prstGeom prst="line">
@@ -4179,7 +4189,7 @@
         </p:nvCxnSpPr>
         <p:spPr>
           <a:xfrm flipV="1">
-            <a:off x="4151777" y="3639560"/>
+            <a:off x="6621386" y="3470826"/>
             <a:ext cx="635925" cy="635925"/>
           </a:xfrm>
           <a:prstGeom prst="line">
@@ -4217,7 +4227,7 @@
         </p:nvCxnSpPr>
         <p:spPr>
           <a:xfrm flipV="1">
-            <a:off x="2877973" y="2340929"/>
+            <a:off x="5347582" y="2172195"/>
             <a:ext cx="642434" cy="649316"/>
           </a:xfrm>
           <a:prstGeom prst="line">
@@ -4255,7 +4265,7 @@
         </p:nvCxnSpPr>
         <p:spPr>
           <a:xfrm flipV="1">
-            <a:off x="3512796" y="2340929"/>
+            <a:off x="5982405" y="2172195"/>
             <a:ext cx="642434" cy="649316"/>
           </a:xfrm>
           <a:prstGeom prst="line">
@@ -4291,7 +4301,7 @@
         </p:nvSpPr>
         <p:spPr>
           <a:xfrm>
-            <a:off x="2244264" y="2344834"/>
+            <a:off x="4713873" y="2176100"/>
             <a:ext cx="1277258" cy="1272517"/>
           </a:xfrm>
           <a:prstGeom prst="cube">
@@ -4299,6 +4309,9 @@
               <a:gd name="adj" fmla="val 50455"/>
             </a:avLst>
           </a:prstGeom>
+          <a:solidFill>
+            <a:srgbClr val="DE7822"/>
+          </a:solidFill>
         </p:spPr>
         <p:style>
           <a:lnRef idx="1">
@@ -4338,13 +4351,13 @@
           <p:nvPr>
             <p:extLst>
               <p:ext uri="{D42A27DB-BD31-4B8C-83A1-F6EECF244321}">
-                <p14:modId xmlns:p14="http://schemas.microsoft.com/office/powerpoint/2010/main" val="2315799185"/>
+                <p14:modId xmlns:p14="http://schemas.microsoft.com/office/powerpoint/2010/main" val="3315835148"/>
               </p:ext>
             </p:extLst>
           </p:nvPr>
         </p:nvGraphicFramePr>
         <p:xfrm>
-          <a:off x="2250407" y="2990245"/>
+          <a:off x="4720016" y="2821511"/>
           <a:ext cx="1901370" cy="1905198"/>
         </p:xfrm>
         <a:graphic>
@@ -4517,7 +4530,7 @@
         </p:nvCxnSpPr>
         <p:spPr>
           <a:xfrm flipH="1" flipV="1">
-            <a:off x="2712260" y="2916341"/>
+            <a:off x="5181869" y="2747607"/>
             <a:ext cx="3305100" cy="1765487"/>
           </a:xfrm>
           <a:prstGeom prst="straightConnector1">
@@ -4562,7 +4575,7 @@
         </p:nvCxnSpPr>
         <p:spPr>
           <a:xfrm flipH="1" flipV="1">
-            <a:off x="2791046" y="2758900"/>
+            <a:off x="5260655" y="2590166"/>
             <a:ext cx="3226314" cy="1241418"/>
           </a:xfrm>
           <a:prstGeom prst="straightConnector1">
@@ -4607,7 +4620,7 @@
         </p:nvCxnSpPr>
         <p:spPr>
           <a:xfrm flipH="1" flipV="1">
-            <a:off x="2877975" y="2626994"/>
+            <a:off x="5347584" y="2458260"/>
             <a:ext cx="3148350" cy="697112"/>
           </a:xfrm>
           <a:prstGeom prst="straightConnector1">
@@ -4652,7 +4665,7 @@
         </p:nvCxnSpPr>
         <p:spPr>
           <a:xfrm flipH="1" flipV="1">
-            <a:off x="2964091" y="2495692"/>
+            <a:off x="5433700" y="2326958"/>
             <a:ext cx="3062234" cy="164898"/>
           </a:xfrm>
           <a:prstGeom prst="straightConnector1">
@@ -4696,7 +4709,7 @@
         </p:nvCxnSpPr>
         <p:spPr>
           <a:xfrm flipH="1">
-            <a:off x="2989280" y="1978770"/>
+            <a:off x="5458889" y="1810036"/>
             <a:ext cx="3063940" cy="410054"/>
           </a:xfrm>
           <a:prstGeom prst="straightConnector1">
@@ -4740,7 +4753,7 @@
         </p:nvCxnSpPr>
         <p:spPr>
           <a:xfrm flipV="1">
-            <a:off x="2877973" y="2350680"/>
+            <a:off x="5347582" y="2181946"/>
             <a:ext cx="642434" cy="649316"/>
           </a:xfrm>
           <a:prstGeom prst="line">
@@ -4778,7 +4791,7 @@
         </p:nvCxnSpPr>
         <p:spPr>
           <a:xfrm>
-            <a:off x="2378865" y="2835336"/>
+            <a:off x="4848474" y="2666602"/>
             <a:ext cx="1918783" cy="0"/>
           </a:xfrm>
           <a:prstGeom prst="line">
@@ -4816,7 +4829,7 @@
         </p:nvCxnSpPr>
         <p:spPr>
           <a:xfrm>
-            <a:off x="2516334" y="2699722"/>
+            <a:off x="4985943" y="2530988"/>
             <a:ext cx="1918783" cy="0"/>
           </a:xfrm>
           <a:prstGeom prst="line">
@@ -4854,7 +4867,7 @@
         </p:nvCxnSpPr>
         <p:spPr>
           <a:xfrm>
-            <a:off x="2659971" y="2554180"/>
+            <a:off x="5129580" y="2385446"/>
             <a:ext cx="1918783" cy="0"/>
           </a:xfrm>
           <a:prstGeom prst="line">
@@ -4892,7 +4905,7 @@
         </p:nvCxnSpPr>
         <p:spPr>
           <a:xfrm>
-            <a:off x="2778081" y="2445976"/>
+            <a:off x="5247690" y="2277242"/>
             <a:ext cx="1918783" cy="0"/>
           </a:xfrm>
           <a:prstGeom prst="line">
@@ -4930,7 +4943,7 @@
         </p:nvCxnSpPr>
         <p:spPr>
           <a:xfrm flipV="1">
-            <a:off x="2246954" y="2340928"/>
+            <a:off x="4716563" y="2172194"/>
             <a:ext cx="642434" cy="649316"/>
           </a:xfrm>
           <a:prstGeom prst="line">
@@ -4966,7 +4979,7 @@
         </p:nvSpPr>
         <p:spPr>
           <a:xfrm>
-            <a:off x="6017360" y="4524387"/>
+            <a:off x="8486969" y="4355653"/>
             <a:ext cx="314882" cy="314882"/>
           </a:xfrm>
           <a:prstGeom prst="ellipse">
@@ -5018,7 +5031,7 @@
         </p:nvSpPr>
         <p:spPr>
           <a:xfrm>
-            <a:off x="6017360" y="3842877"/>
+            <a:off x="8486969" y="3674143"/>
             <a:ext cx="314882" cy="314882"/>
           </a:xfrm>
           <a:prstGeom prst="ellipse">
@@ -5070,7 +5083,7 @@
         </p:nvSpPr>
         <p:spPr>
           <a:xfrm>
-            <a:off x="6026325" y="3166665"/>
+            <a:off x="8495934" y="2997931"/>
             <a:ext cx="314882" cy="314882"/>
           </a:xfrm>
           <a:prstGeom prst="ellipse">
@@ -5122,7 +5135,7 @@
         </p:nvSpPr>
         <p:spPr>
           <a:xfrm>
-            <a:off x="6026325" y="2503149"/>
+            <a:off x="8495934" y="2334415"/>
             <a:ext cx="314882" cy="314882"/>
           </a:xfrm>
           <a:prstGeom prst="ellipse">
@@ -5174,7 +5187,7 @@
         </p:nvSpPr>
         <p:spPr>
           <a:xfrm>
-            <a:off x="6026325" y="1777761"/>
+            <a:off x="8495934" y="1609027"/>
             <a:ext cx="314882" cy="314882"/>
           </a:xfrm>
           <a:prstGeom prst="ellipse">
@@ -5212,6 +5225,714 @@
           </a:p>
         </p:txBody>
       </p:sp>
+      <p:sp>
+        <p:nvSpPr>
+          <p:cNvPr id="29" name="정육면체 28">
+            <a:extLst>
+              <a:ext uri="{FF2B5EF4-FFF2-40B4-BE49-F238E27FC236}">
+                <a16:creationId xmlns:a16="http://schemas.microsoft.com/office/drawing/2014/main" id="{A6F59486-DB52-4003-8A6A-1C4EDB5ABF36}"/>
+              </a:ext>
+            </a:extLst>
+          </p:cNvPr>
+          <p:cNvSpPr/>
+          <p:nvPr/>
+        </p:nvSpPr>
+        <p:spPr>
+          <a:xfrm>
+            <a:off x="1774260" y="2590166"/>
+            <a:ext cx="1277258" cy="1272517"/>
+          </a:xfrm>
+          <a:prstGeom prst="cube">
+            <a:avLst>
+              <a:gd name="adj" fmla="val 50455"/>
+            </a:avLst>
+          </a:prstGeom>
+        </p:spPr>
+        <p:style>
+          <a:lnRef idx="1">
+            <a:schemeClr val="accent6"/>
+          </a:lnRef>
+          <a:fillRef idx="3">
+            <a:schemeClr val="accent6"/>
+          </a:fillRef>
+          <a:effectRef idx="2">
+            <a:schemeClr val="accent6"/>
+          </a:effectRef>
+          <a:fontRef idx="minor">
+            <a:schemeClr val="lt1"/>
+          </a:fontRef>
+        </p:style>
+        <p:txBody>
+          <a:bodyPr rtlCol="0" anchor="ctr"/>
+          <a:lstStyle/>
+          <a:p>
+            <a:pPr algn="ctr"/>
+            <a:endParaRPr lang="ko-KR" altLang="en-US"/>
+          </a:p>
+        </p:txBody>
+      </p:sp>
+      <p:cxnSp>
+        <p:nvCxnSpPr>
+          <p:cNvPr id="30" name="직선 연결선 29">
+            <a:extLst>
+              <a:ext uri="{FF2B5EF4-FFF2-40B4-BE49-F238E27FC236}">
+                <a16:creationId xmlns:a16="http://schemas.microsoft.com/office/drawing/2014/main" id="{2421BF15-A7C5-4190-A98E-8C09B129029A}"/>
+              </a:ext>
+            </a:extLst>
+          </p:cNvPr>
+          <p:cNvCxnSpPr>
+            <a:cxnSpLocks/>
+          </p:cNvCxnSpPr>
+          <p:nvPr/>
+        </p:nvCxnSpPr>
+        <p:spPr>
+          <a:xfrm>
+            <a:off x="1903102" y="3090283"/>
+            <a:ext cx="656409" cy="0"/>
+          </a:xfrm>
+          <a:prstGeom prst="line">
+            <a:avLst/>
+          </a:prstGeom>
+        </p:spPr>
+        <p:style>
+          <a:lnRef idx="1">
+            <a:schemeClr val="dk1"/>
+          </a:lnRef>
+          <a:fillRef idx="0">
+            <a:schemeClr val="dk1"/>
+          </a:fillRef>
+          <a:effectRef idx="0">
+            <a:schemeClr val="dk1"/>
+          </a:effectRef>
+          <a:fontRef idx="minor">
+            <a:schemeClr val="tx1"/>
+          </a:fontRef>
+        </p:style>
+      </p:cxnSp>
+      <p:cxnSp>
+        <p:nvCxnSpPr>
+          <p:cNvPr id="31" name="직선 연결선 30">
+            <a:extLst>
+              <a:ext uri="{FF2B5EF4-FFF2-40B4-BE49-F238E27FC236}">
+                <a16:creationId xmlns:a16="http://schemas.microsoft.com/office/drawing/2014/main" id="{F5685497-81B5-4B5B-A7EF-742A49FB5AA2}"/>
+              </a:ext>
+            </a:extLst>
+          </p:cNvPr>
+          <p:cNvCxnSpPr>
+            <a:cxnSpLocks/>
+          </p:cNvCxnSpPr>
+          <p:nvPr/>
+        </p:nvCxnSpPr>
+        <p:spPr>
+          <a:xfrm>
+            <a:off x="2039355" y="2964553"/>
+            <a:ext cx="647156" cy="0"/>
+          </a:xfrm>
+          <a:prstGeom prst="line">
+            <a:avLst/>
+          </a:prstGeom>
+        </p:spPr>
+        <p:style>
+          <a:lnRef idx="1">
+            <a:schemeClr val="dk1"/>
+          </a:lnRef>
+          <a:fillRef idx="0">
+            <a:schemeClr val="dk1"/>
+          </a:fillRef>
+          <a:effectRef idx="0">
+            <a:schemeClr val="dk1"/>
+          </a:effectRef>
+          <a:fontRef idx="minor">
+            <a:schemeClr val="tx1"/>
+          </a:fontRef>
+        </p:style>
+      </p:cxnSp>
+      <p:cxnSp>
+        <p:nvCxnSpPr>
+          <p:cNvPr id="34" name="직선 연결선 33">
+            <a:extLst>
+              <a:ext uri="{FF2B5EF4-FFF2-40B4-BE49-F238E27FC236}">
+                <a16:creationId xmlns:a16="http://schemas.microsoft.com/office/drawing/2014/main" id="{F1D0F138-E6D1-41B2-9C8C-4D186F566569}"/>
+              </a:ext>
+            </a:extLst>
+          </p:cNvPr>
+          <p:cNvCxnSpPr>
+            <a:cxnSpLocks/>
+          </p:cNvCxnSpPr>
+          <p:nvPr/>
+        </p:nvCxnSpPr>
+        <p:spPr>
+          <a:xfrm>
+            <a:off x="2165448" y="2832473"/>
+            <a:ext cx="650603" cy="0"/>
+          </a:xfrm>
+          <a:prstGeom prst="line">
+            <a:avLst/>
+          </a:prstGeom>
+        </p:spPr>
+        <p:style>
+          <a:lnRef idx="1">
+            <a:schemeClr val="dk1"/>
+          </a:lnRef>
+          <a:fillRef idx="0">
+            <a:schemeClr val="dk1"/>
+          </a:fillRef>
+          <a:effectRef idx="0">
+            <a:schemeClr val="dk1"/>
+          </a:effectRef>
+          <a:fontRef idx="minor">
+            <a:schemeClr val="tx1"/>
+          </a:fontRef>
+        </p:style>
+      </p:cxnSp>
+      <p:cxnSp>
+        <p:nvCxnSpPr>
+          <p:cNvPr id="35" name="직선 연결선 34">
+            <a:extLst>
+              <a:ext uri="{FF2B5EF4-FFF2-40B4-BE49-F238E27FC236}">
+                <a16:creationId xmlns:a16="http://schemas.microsoft.com/office/drawing/2014/main" id="{B5976783-072E-4D36-8BCC-D1C61FC91B44}"/>
+              </a:ext>
+            </a:extLst>
+          </p:cNvPr>
+          <p:cNvCxnSpPr>
+            <a:cxnSpLocks/>
+          </p:cNvCxnSpPr>
+          <p:nvPr/>
+        </p:nvCxnSpPr>
+        <p:spPr>
+          <a:xfrm>
+            <a:off x="2305355" y="2699123"/>
+            <a:ext cx="637696" cy="0"/>
+          </a:xfrm>
+          <a:prstGeom prst="line">
+            <a:avLst/>
+          </a:prstGeom>
+        </p:spPr>
+        <p:style>
+          <a:lnRef idx="1">
+            <a:schemeClr val="dk1"/>
+          </a:lnRef>
+          <a:fillRef idx="0">
+            <a:schemeClr val="dk1"/>
+          </a:fillRef>
+          <a:effectRef idx="0">
+            <a:schemeClr val="dk1"/>
+          </a:effectRef>
+          <a:fontRef idx="minor">
+            <a:schemeClr val="tx1"/>
+          </a:fontRef>
+        </p:style>
+      </p:cxnSp>
+      <p:cxnSp>
+        <p:nvCxnSpPr>
+          <p:cNvPr id="40" name="직선 연결선 39">
+            <a:extLst>
+              <a:ext uri="{FF2B5EF4-FFF2-40B4-BE49-F238E27FC236}">
+                <a16:creationId xmlns:a16="http://schemas.microsoft.com/office/drawing/2014/main" id="{0761C55C-8123-4030-8F27-4957DB0D4563}"/>
+              </a:ext>
+            </a:extLst>
+          </p:cNvPr>
+          <p:cNvCxnSpPr>
+            <a:cxnSpLocks/>
+          </p:cNvCxnSpPr>
+          <p:nvPr/>
+        </p:nvCxnSpPr>
+        <p:spPr>
+          <a:xfrm flipV="1">
+            <a:off x="2559512" y="3090283"/>
+            <a:ext cx="0" cy="617272"/>
+          </a:xfrm>
+          <a:prstGeom prst="line">
+            <a:avLst/>
+          </a:prstGeom>
+        </p:spPr>
+        <p:style>
+          <a:lnRef idx="1">
+            <a:schemeClr val="dk1"/>
+          </a:lnRef>
+          <a:fillRef idx="0">
+            <a:schemeClr val="dk1"/>
+          </a:fillRef>
+          <a:effectRef idx="0">
+            <a:schemeClr val="dk1"/>
+          </a:effectRef>
+          <a:fontRef idx="minor">
+            <a:schemeClr val="tx1"/>
+          </a:fontRef>
+        </p:style>
+      </p:cxnSp>
+      <p:cxnSp>
+        <p:nvCxnSpPr>
+          <p:cNvPr id="41" name="직선 연결선 40">
+            <a:extLst>
+              <a:ext uri="{FF2B5EF4-FFF2-40B4-BE49-F238E27FC236}">
+                <a16:creationId xmlns:a16="http://schemas.microsoft.com/office/drawing/2014/main" id="{836179A6-6BDB-4BAC-8ACB-03616F960FAF}"/>
+              </a:ext>
+            </a:extLst>
+          </p:cNvPr>
+          <p:cNvCxnSpPr>
+            <a:cxnSpLocks/>
+          </p:cNvCxnSpPr>
+          <p:nvPr/>
+        </p:nvCxnSpPr>
+        <p:spPr>
+          <a:xfrm flipV="1">
+            <a:off x="2686057" y="2958475"/>
+            <a:ext cx="0" cy="627160"/>
+          </a:xfrm>
+          <a:prstGeom prst="line">
+            <a:avLst/>
+          </a:prstGeom>
+        </p:spPr>
+        <p:style>
+          <a:lnRef idx="1">
+            <a:schemeClr val="dk1"/>
+          </a:lnRef>
+          <a:fillRef idx="0">
+            <a:schemeClr val="dk1"/>
+          </a:fillRef>
+          <a:effectRef idx="0">
+            <a:schemeClr val="dk1"/>
+          </a:effectRef>
+          <a:fontRef idx="minor">
+            <a:schemeClr val="tx1"/>
+          </a:fontRef>
+        </p:style>
+      </p:cxnSp>
+      <p:cxnSp>
+        <p:nvCxnSpPr>
+          <p:cNvPr id="42" name="직선 연결선 41">
+            <a:extLst>
+              <a:ext uri="{FF2B5EF4-FFF2-40B4-BE49-F238E27FC236}">
+                <a16:creationId xmlns:a16="http://schemas.microsoft.com/office/drawing/2014/main" id="{71C612C9-2F12-45FA-A707-144787D8AB96}"/>
+              </a:ext>
+            </a:extLst>
+          </p:cNvPr>
+          <p:cNvCxnSpPr>
+            <a:cxnSpLocks/>
+          </p:cNvCxnSpPr>
+          <p:nvPr/>
+        </p:nvCxnSpPr>
+        <p:spPr>
+          <a:xfrm flipV="1">
+            <a:off x="2813874" y="2824672"/>
+            <a:ext cx="0" cy="626343"/>
+          </a:xfrm>
+          <a:prstGeom prst="line">
+            <a:avLst/>
+          </a:prstGeom>
+        </p:spPr>
+        <p:style>
+          <a:lnRef idx="1">
+            <a:schemeClr val="dk1"/>
+          </a:lnRef>
+          <a:fillRef idx="0">
+            <a:schemeClr val="dk1"/>
+          </a:fillRef>
+          <a:effectRef idx="0">
+            <a:schemeClr val="dk1"/>
+          </a:effectRef>
+          <a:fontRef idx="minor">
+            <a:schemeClr val="tx1"/>
+          </a:fontRef>
+        </p:style>
+      </p:cxnSp>
+      <p:cxnSp>
+        <p:nvCxnSpPr>
+          <p:cNvPr id="43" name="직선 연결선 42">
+            <a:extLst>
+              <a:ext uri="{FF2B5EF4-FFF2-40B4-BE49-F238E27FC236}">
+                <a16:creationId xmlns:a16="http://schemas.microsoft.com/office/drawing/2014/main" id="{D15A8E2F-85BC-4381-B84E-04FC27062001}"/>
+              </a:ext>
+            </a:extLst>
+          </p:cNvPr>
+          <p:cNvCxnSpPr>
+            <a:cxnSpLocks/>
+          </p:cNvCxnSpPr>
+          <p:nvPr/>
+        </p:nvCxnSpPr>
+        <p:spPr>
+          <a:xfrm flipV="1">
+            <a:off x="2947327" y="2697775"/>
+            <a:ext cx="0" cy="621160"/>
+          </a:xfrm>
+          <a:prstGeom prst="line">
+            <a:avLst/>
+          </a:prstGeom>
+        </p:spPr>
+        <p:style>
+          <a:lnRef idx="1">
+            <a:schemeClr val="dk1"/>
+          </a:lnRef>
+          <a:fillRef idx="0">
+            <a:schemeClr val="dk1"/>
+          </a:fillRef>
+          <a:effectRef idx="0">
+            <a:schemeClr val="dk1"/>
+          </a:effectRef>
+          <a:fontRef idx="minor">
+            <a:schemeClr val="tx1"/>
+          </a:fontRef>
+        </p:style>
+      </p:cxnSp>
+      <mc:AlternateContent xmlns:mc="http://schemas.openxmlformats.org/markup-compatibility/2006">
+        <mc:Choice xmlns:a14="http://schemas.microsoft.com/office/drawing/2010/main" Requires="a14">
+          <p:sp>
+            <p:nvSpPr>
+              <p:cNvPr id="5" name="TextBox 4">
+                <a:extLst>
+                  <a:ext uri="{FF2B5EF4-FFF2-40B4-BE49-F238E27FC236}">
+                    <a16:creationId xmlns:a16="http://schemas.microsoft.com/office/drawing/2014/main" id="{BD3C8D23-D7AB-4DC8-8269-772BFC8E9D30}"/>
+                  </a:ext>
+                </a:extLst>
+              </p:cNvPr>
+              <p:cNvSpPr txBox="1"/>
+              <p:nvPr/>
+            </p:nvSpPr>
+            <p:spPr>
+              <a:xfrm>
+                <a:off x="2850540" y="5566834"/>
+                <a:ext cx="4820230" cy="553998"/>
+              </a:xfrm>
+              <a:prstGeom prst="rect">
+                <a:avLst/>
+              </a:prstGeom>
+              <a:noFill/>
+            </p:spPr>
+            <p:txBody>
+              <a:bodyPr wrap="none" lIns="0" tIns="0" rIns="0" bIns="0" rtlCol="0">
+                <a:spAutoFit/>
+              </a:bodyPr>
+              <a:lstStyle/>
+              <a:p>
+                <a14:m>
+                  <m:oMath xmlns:m="http://schemas.openxmlformats.org/officeDocument/2006/math">
+                    <m:r>
+                      <a:rPr lang="en-US" altLang="ko-KR" b="0" i="0" smtClean="0">
+                        <a:latin typeface="Cambria Math" panose="02040503050406030204" pitchFamily="18" charset="0"/>
+                      </a:rPr>
+                      <m:t>[0.2</m:t>
+                    </m:r>
+                    <m:r>
+                      <a:rPr lang="en-US" altLang="ko-KR" b="0" i="1" smtClean="0">
+                        <a:latin typeface="Cambria Math" panose="02040503050406030204" pitchFamily="18" charset="0"/>
+                        <a:ea typeface="Cambria Math" panose="02040503050406030204" pitchFamily="18" charset="0"/>
+                      </a:rPr>
+                      <m:t>×1, </m:t>
+                    </m:r>
+                    <m:r>
+                      <a:rPr lang="en-US" altLang="ko-KR" b="0" i="0" smtClean="0">
+                        <a:latin typeface="Cambria Math" panose="02040503050406030204" pitchFamily="18" charset="0"/>
+                        <a:ea typeface="Cambria Math" panose="02040503050406030204" pitchFamily="18" charset="0"/>
+                      </a:rPr>
+                      <m:t> 0.2</m:t>
+                    </m:r>
+                    <m:r>
+                      <a:rPr lang="en-US" altLang="ko-KR">
+                        <a:latin typeface="Cambria Math" panose="02040503050406030204" pitchFamily="18" charset="0"/>
+                      </a:rPr>
+                      <m:t> </m:t>
+                    </m:r>
+                    <m:r>
+                      <a:rPr lang="en-US" altLang="ko-KR" i="1">
+                        <a:latin typeface="Cambria Math" panose="02040503050406030204" pitchFamily="18" charset="0"/>
+                        <a:ea typeface="Cambria Math" panose="02040503050406030204" pitchFamily="18" charset="0"/>
+                      </a:rPr>
+                      <m:t>×1</m:t>
+                    </m:r>
+                    <m:r>
+                      <a:rPr lang="en-US" altLang="ko-KR" b="0" i="1" smtClean="0">
+                        <a:latin typeface="Cambria Math" panose="02040503050406030204" pitchFamily="18" charset="0"/>
+                        <a:ea typeface="Cambria Math" panose="02040503050406030204" pitchFamily="18" charset="0"/>
+                      </a:rPr>
+                      <m:t>, </m:t>
+                    </m:r>
+                    <m:r>
+                      <a:rPr lang="en-US" altLang="ko-KR" b="0" i="0" smtClean="0">
+                        <a:latin typeface="Cambria Math" panose="02040503050406030204" pitchFamily="18" charset="0"/>
+                        <a:ea typeface="Cambria Math" panose="02040503050406030204" pitchFamily="18" charset="0"/>
+                      </a:rPr>
+                      <m:t> 0.3</m:t>
+                    </m:r>
+                    <m:r>
+                      <a:rPr lang="en-US" altLang="ko-KR">
+                        <a:latin typeface="Cambria Math" panose="02040503050406030204" pitchFamily="18" charset="0"/>
+                      </a:rPr>
+                      <m:t> </m:t>
+                    </m:r>
+                    <m:r>
+                      <a:rPr lang="en-US" altLang="ko-KR" i="1">
+                        <a:latin typeface="Cambria Math" panose="02040503050406030204" pitchFamily="18" charset="0"/>
+                        <a:ea typeface="Cambria Math" panose="02040503050406030204" pitchFamily="18" charset="0"/>
+                      </a:rPr>
+                      <m:t>×1</m:t>
+                    </m:r>
+                  </m:oMath>
+                </a14:m>
+                <a:r>
+                  <a:rPr lang="en-US" altLang="ko-KR"/>
+                  <a:t>, </a:t>
+                </a:r>
+                <a14:m>
+                  <m:oMath xmlns:m="http://schemas.openxmlformats.org/officeDocument/2006/math">
+                    <m:r>
+                      <a:rPr lang="en-US" altLang="ko-KR" b="0" i="0" smtClean="0">
+                        <a:latin typeface="Cambria Math" panose="02040503050406030204" pitchFamily="18" charset="0"/>
+                      </a:rPr>
+                      <m:t>0.15</m:t>
+                    </m:r>
+                    <m:r>
+                      <a:rPr lang="en-US" altLang="ko-KR">
+                        <a:latin typeface="Cambria Math" panose="02040503050406030204" pitchFamily="18" charset="0"/>
+                      </a:rPr>
+                      <m:t> </m:t>
+                    </m:r>
+                    <m:r>
+                      <a:rPr lang="en-US" altLang="ko-KR" i="1">
+                        <a:latin typeface="Cambria Math" panose="02040503050406030204" pitchFamily="18" charset="0"/>
+                        <a:ea typeface="Cambria Math" panose="02040503050406030204" pitchFamily="18" charset="0"/>
+                      </a:rPr>
+                      <m:t>×1</m:t>
+                    </m:r>
+                  </m:oMath>
+                </a14:m>
+                <a:r>
+                  <a:rPr lang="en-US" altLang="ko-KR"/>
+                  <a:t>, </a:t>
+                </a:r>
+                <a14:m>
+                  <m:oMath xmlns:m="http://schemas.openxmlformats.org/officeDocument/2006/math">
+                    <m:r>
+                      <a:rPr lang="en-US" altLang="ko-KR">
+                        <a:latin typeface="Cambria Math" panose="02040503050406030204" pitchFamily="18" charset="0"/>
+                      </a:rPr>
+                      <m:t>0</m:t>
+                    </m:r>
+                    <m:r>
+                      <a:rPr lang="en-US" altLang="ko-KR" b="0" i="0" smtClean="0">
+                        <a:latin typeface="Cambria Math" panose="02040503050406030204" pitchFamily="18" charset="0"/>
+                      </a:rPr>
+                      <m:t>.15</m:t>
+                    </m:r>
+                    <m:r>
+                      <a:rPr lang="en-US" altLang="ko-KR">
+                        <a:latin typeface="Cambria Math" panose="02040503050406030204" pitchFamily="18" charset="0"/>
+                      </a:rPr>
+                      <m:t> </m:t>
+                    </m:r>
+                    <m:r>
+                      <a:rPr lang="en-US" altLang="ko-KR" i="1">
+                        <a:latin typeface="Cambria Math" panose="02040503050406030204" pitchFamily="18" charset="0"/>
+                        <a:ea typeface="Cambria Math" panose="02040503050406030204" pitchFamily="18" charset="0"/>
+                      </a:rPr>
+                      <m:t>×1</m:t>
+                    </m:r>
+                    <m:r>
+                      <a:rPr lang="en-US" altLang="ko-KR" b="0" i="1" smtClean="0">
+                        <a:latin typeface="Cambria Math" panose="02040503050406030204" pitchFamily="18" charset="0"/>
+                        <a:ea typeface="Cambria Math" panose="02040503050406030204" pitchFamily="18" charset="0"/>
+                      </a:rPr>
+                      <m:t>]</m:t>
+                    </m:r>
+                  </m:oMath>
+                </a14:m>
+                <a:endParaRPr lang="en-US" altLang="ko-KR" b="0">
+                  <a:ea typeface="Cambria Math" panose="02040503050406030204" pitchFamily="18" charset="0"/>
+                </a:endParaRPr>
+              </a:p>
+              <a:p>
+                <a:r>
+                  <a:rPr lang="en-US" altLang="ko-KR"/>
+                  <a:t>= </a:t>
+                </a:r>
+                <a14:m>
+                  <m:oMath xmlns:m="http://schemas.openxmlformats.org/officeDocument/2006/math">
+                    <m:r>
+                      <a:rPr lang="en-US" altLang="ko-KR" b="0" i="0" smtClean="0">
+                        <a:latin typeface="Cambria Math" panose="02040503050406030204" pitchFamily="18" charset="0"/>
+                      </a:rPr>
+                      <m:t>[0.2 </m:t>
+                    </m:r>
+                    <m:r>
+                      <a:rPr lang="en-US" altLang="ko-KR" b="0" i="1" smtClean="0">
+                        <a:latin typeface="Cambria Math" panose="02040503050406030204" pitchFamily="18" charset="0"/>
+                        <a:ea typeface="Cambria Math" panose="02040503050406030204" pitchFamily="18" charset="0"/>
+                      </a:rPr>
+                      <m:t>, </m:t>
+                    </m:r>
+                    <m:r>
+                      <a:rPr lang="en-US" altLang="ko-KR" b="0" i="0" smtClean="0">
+                        <a:latin typeface="Cambria Math" panose="02040503050406030204" pitchFamily="18" charset="0"/>
+                        <a:ea typeface="Cambria Math" panose="02040503050406030204" pitchFamily="18" charset="0"/>
+                      </a:rPr>
+                      <m:t>0.2</m:t>
+                    </m:r>
+                    <m:r>
+                      <a:rPr lang="en-US" altLang="ko-KR">
+                        <a:latin typeface="Cambria Math" panose="02040503050406030204" pitchFamily="18" charset="0"/>
+                      </a:rPr>
+                      <m:t> </m:t>
+                    </m:r>
+                    <m:r>
+                      <a:rPr lang="en-US" altLang="ko-KR" b="0" i="1" smtClean="0">
+                        <a:latin typeface="Cambria Math" panose="02040503050406030204" pitchFamily="18" charset="0"/>
+                        <a:ea typeface="Cambria Math" panose="02040503050406030204" pitchFamily="18" charset="0"/>
+                      </a:rPr>
+                      <m:t>,</m:t>
+                    </m:r>
+                    <m:r>
+                      <a:rPr lang="en-US" altLang="ko-KR" b="0" i="0" smtClean="0">
+                        <a:latin typeface="Cambria Math" panose="02040503050406030204" pitchFamily="18" charset="0"/>
+                        <a:ea typeface="Cambria Math" panose="02040503050406030204" pitchFamily="18" charset="0"/>
+                      </a:rPr>
+                      <m:t> </m:t>
+                    </m:r>
+                    <m:r>
+                      <a:rPr lang="en-US" altLang="ko-KR" b="0" i="0" smtClean="0">
+                        <a:latin typeface="Cambria Math" panose="02040503050406030204" pitchFamily="18" charset="0"/>
+                        <a:ea typeface="Cambria Math" panose="02040503050406030204" pitchFamily="18" charset="0"/>
+                      </a:rPr>
+                      <m:t>0.3</m:t>
+                    </m:r>
+                    <m:r>
+                      <a:rPr lang="en-US" altLang="ko-KR">
+                        <a:latin typeface="Cambria Math" panose="02040503050406030204" pitchFamily="18" charset="0"/>
+                      </a:rPr>
+                      <m:t> </m:t>
+                    </m:r>
+                  </m:oMath>
+                </a14:m>
+                <a:r>
+                  <a:rPr lang="en-US" altLang="ko-KR"/>
+                  <a:t>, </a:t>
+                </a:r>
+                <a14:m>
+                  <m:oMath xmlns:m="http://schemas.openxmlformats.org/officeDocument/2006/math">
+                    <m:r>
+                      <a:rPr lang="en-US" altLang="ko-KR" b="0" i="0" smtClean="0">
+                        <a:latin typeface="Cambria Math" panose="02040503050406030204" pitchFamily="18" charset="0"/>
+                      </a:rPr>
+                      <m:t>0.15</m:t>
+                    </m:r>
+                    <m:r>
+                      <a:rPr lang="en-US" altLang="ko-KR">
+                        <a:latin typeface="Cambria Math" panose="02040503050406030204" pitchFamily="18" charset="0"/>
+                      </a:rPr>
+                      <m:t> </m:t>
+                    </m:r>
+                  </m:oMath>
+                </a14:m>
+                <a:r>
+                  <a:rPr lang="en-US" altLang="ko-KR"/>
+                  <a:t>, </a:t>
+                </a:r>
+                <a14:m>
+                  <m:oMath xmlns:m="http://schemas.openxmlformats.org/officeDocument/2006/math">
+                    <m:r>
+                      <a:rPr lang="en-US" altLang="ko-KR" b="0" i="0" smtClean="0">
+                        <a:latin typeface="Cambria Math" panose="02040503050406030204" pitchFamily="18" charset="0"/>
+                      </a:rPr>
+                      <m:t>0.15</m:t>
+                    </m:r>
+                    <m:r>
+                      <a:rPr lang="en-US" altLang="ko-KR">
+                        <a:latin typeface="Cambria Math" panose="02040503050406030204" pitchFamily="18" charset="0"/>
+                      </a:rPr>
+                      <m:t> </m:t>
+                    </m:r>
+                    <m:r>
+                      <a:rPr lang="en-US" altLang="ko-KR" b="0" i="1" smtClean="0">
+                        <a:latin typeface="Cambria Math" panose="02040503050406030204" pitchFamily="18" charset="0"/>
+                        <a:ea typeface="Cambria Math" panose="02040503050406030204" pitchFamily="18" charset="0"/>
+                      </a:rPr>
+                      <m:t>]</m:t>
+                    </m:r>
+                  </m:oMath>
+                </a14:m>
+                <a:r>
+                  <a:rPr lang="en-US" altLang="ko-KR"/>
+                  <a:t> </a:t>
+                </a:r>
+                <a:endParaRPr lang="ko-KR" altLang="en-US"/>
+              </a:p>
+            </p:txBody>
+          </p:sp>
+        </mc:Choice>
+        <mc:Fallback>
+          <p:sp>
+            <p:nvSpPr>
+              <p:cNvPr id="5" name="TextBox 4">
+                <a:extLst>
+                  <a:ext uri="{FF2B5EF4-FFF2-40B4-BE49-F238E27FC236}">
+                    <a16:creationId xmlns:a16="http://schemas.microsoft.com/office/drawing/2014/main" id="{BD3C8D23-D7AB-4DC8-8269-772BFC8E9D30}"/>
+                  </a:ext>
+                </a:extLst>
+              </p:cNvPr>
+              <p:cNvSpPr txBox="1">
+                <a:spLocks noRot="1" noChangeAspect="1" noMove="1" noResize="1" noEditPoints="1" noAdjustHandles="1" noChangeArrowheads="1" noChangeShapeType="1" noTextEdit="1"/>
+              </p:cNvSpPr>
+              <p:nvPr/>
+            </p:nvSpPr>
+            <p:spPr>
+              <a:xfrm>
+                <a:off x="2850540" y="5566834"/>
+                <a:ext cx="4820230" cy="553998"/>
+              </a:xfrm>
+              <a:prstGeom prst="rect">
+                <a:avLst/>
+              </a:prstGeom>
+              <a:blipFill>
+                <a:blip r:embed="rId3"/>
+                <a:stretch>
+                  <a:fillRect l="-3038" t="-14286" r="-1392" b="-25275"/>
+                </a:stretch>
+              </a:blipFill>
+            </p:spPr>
+            <p:txBody>
+              <a:bodyPr/>
+              <a:lstStyle/>
+              <a:p>
+                <a:r>
+                  <a:rPr lang="ko-KR" altLang="en-US">
+                    <a:noFill/>
+                  </a:rPr>
+                  <a:t> </a:t>
+                </a:r>
+              </a:p>
+            </p:txBody>
+          </p:sp>
+        </mc:Fallback>
+      </mc:AlternateContent>
+      <p:pic>
+        <p:nvPicPr>
+          <p:cNvPr id="18" name="그림 17">
+            <a:extLst>
+              <a:ext uri="{FF2B5EF4-FFF2-40B4-BE49-F238E27FC236}">
+                <a16:creationId xmlns:a16="http://schemas.microsoft.com/office/drawing/2014/main" id="{757634EF-8EE5-4071-8A6C-363BA324310B}"/>
+              </a:ext>
+            </a:extLst>
+          </p:cNvPr>
+          <p:cNvPicPr>
+            <a:picLocks noChangeAspect="1"/>
+          </p:cNvPicPr>
+          <p:nvPr/>
+        </p:nvPicPr>
+        <p:blipFill>
+          <a:blip r:embed="rId4"/>
+          <a:stretch>
+            <a:fillRect/>
+          </a:stretch>
+        </p:blipFill>
+        <p:spPr>
+          <a:xfrm>
+            <a:off x="157720" y="4104990"/>
+            <a:ext cx="4295269" cy="506486"/>
+          </a:xfrm>
+          <a:prstGeom prst="rect">
+            <a:avLst/>
+          </a:prstGeom>
+        </p:spPr>
+      </p:pic>
     </p:spTree>
     <p:extLst>
       <p:ext uri="{BB962C8B-B14F-4D97-AF65-F5344CB8AC3E}">
